--- a/LabBook_10.pptx
+++ b/LabBook_10.pptx
@@ -233,7 +233,7 @@
           <a:p>
             <a:fld id="{8438F8DC-35B0-48E6-A86E-42F1F08DD00F}" type="datetimeFigureOut">
               <a:rPr lang="es-ES" smtClean="0"/>
-              <a:t>16/02/2026</a:t>
+              <a:t>19/02/2026</a:t>
             </a:fld>
             <a:endParaRPr lang="es-ES"/>
           </a:p>
@@ -410,7 +410,7 @@
           <a:p>
             <a:fld id="{FACBDC12-F39B-4B97-8F4D-6734F9D366FF}" type="datetimeFigureOut">
               <a:rPr lang="es-ES" smtClean="0"/>
-              <a:t>16/02/2026</a:t>
+              <a:t>19/02/2026</a:t>
             </a:fld>
             <a:endParaRPr lang="es-ES"/>
           </a:p>
@@ -2710,7 +2710,7 @@
                 <a:latin typeface="Arial"/>
                 <a:cs typeface="Arial"/>
               </a:rPr>
-              <a:t>: </a:t>
+              <a:t>: José Alberto Peña Cruz , Pablo de Manuel Vicente </a:t>
             </a:r>
             <a:endParaRPr sz="1800" dirty="0">
               <a:latin typeface="Arial"/>
@@ -5132,8 +5132,8 @@
         </p:nvSpPr>
         <p:spPr>
           <a:xfrm>
-            <a:off x="609441" y="4860334"/>
-            <a:ext cx="11199971" cy="1200329"/>
+            <a:off x="609600" y="4860334"/>
+            <a:ext cx="11199971" cy="1384995"/>
           </a:xfrm>
           <a:prstGeom prst="rect">
             <a:avLst/>
@@ -5155,46 +5155,597 @@
           </a:bodyPr>
           <a:lstStyle/>
           <a:p>
-            <a:pPr algn="just"/>
+            <a:pPr marL="171450" indent="-171450" algn="just">
+              <a:buFont typeface="Arial" panose="020B0604020202020204" pitchFamily="34" charset="0"/>
+              <a:buChar char="•"/>
+            </a:pPr>
+            <a:r>
+              <a:rPr lang="en-US" sz="1200" dirty="0" err="1">
+                <a:latin typeface="Arial" panose="020B0604020202020204" pitchFamily="34" charset="0"/>
+                <a:cs typeface="Arial" panose="020B0604020202020204" pitchFamily="34" charset="0"/>
+              </a:rPr>
+              <a:t>Utilizando</a:t>
+            </a:r>
             <a:r>
               <a:rPr lang="en-US" sz="1200" dirty="0">
                 <a:latin typeface="Arial" panose="020B0604020202020204" pitchFamily="34" charset="0"/>
                 <a:cs typeface="Arial" panose="020B0604020202020204" pitchFamily="34" charset="0"/>
               </a:rPr>
-              <a:t>Document all your results (neff, plot fields </a:t>
-            </a:r>
-            <a:r>
-              <a:rPr lang="en-US" sz="1200">
-                <a:latin typeface="Arial" panose="020B0604020202020204" pitchFamily="34" charset="0"/>
-                <a:cs typeface="Arial" panose="020B0604020202020204" pitchFamily="34" charset="0"/>
-              </a:rPr>
-              <a:t>of different modes, </a:t>
+              <a:t> la  </a:t>
+            </a:r>
+            <a:r>
+              <a:rPr lang="en-US" sz="1200" dirty="0" err="1">
+                <a:latin typeface="Arial" panose="020B0604020202020204" pitchFamily="34" charset="0"/>
+                <a:cs typeface="Arial" panose="020B0604020202020204" pitchFamily="34" charset="0"/>
+              </a:rPr>
+              <a:t>combinacion</a:t>
             </a:r>
             <a:r>
               <a:rPr lang="en-US" sz="1200" dirty="0">
                 <a:latin typeface="Arial" panose="020B0604020202020204" pitchFamily="34" charset="0"/>
                 <a:cs typeface="Arial" panose="020B0604020202020204" pitchFamily="34" charset="0"/>
               </a:rPr>
-              <a:t>comparison between </a:t>
-            </a:r>
-            <a:r>
-              <a:rPr lang="en-US" sz="1200">
-                <a:latin typeface="Arial" panose="020B0604020202020204" pitchFamily="34" charset="0"/>
-                <a:cs typeface="Arial" panose="020B0604020202020204" pitchFamily="34" charset="0"/>
-              </a:rPr>
-              <a:t>different polarizations…)</a:t>
-            </a:r>
-            <a:endParaRPr lang="en-US" sz="1200" dirty="0">
-              <a:latin typeface="Arial" panose="020B0604020202020204" pitchFamily="34" charset="0"/>
-              <a:cs typeface="Arial" panose="020B0604020202020204" pitchFamily="34" charset="0"/>
-            </a:endParaRPr>
-          </a:p>
-          <a:p>
-            <a:pPr algn="just"/>
-            <a:endParaRPr lang="en-US" sz="1200" dirty="0">
-              <a:latin typeface="Arial" panose="020B0604020202020204" pitchFamily="34" charset="0"/>
-              <a:cs typeface="Arial" panose="020B0604020202020204" pitchFamily="34" charset="0"/>
-            </a:endParaRPr>
+              <a:t> de sin y sio2 para </a:t>
+            </a:r>
+            <a:r>
+              <a:rPr lang="en-US" sz="1200" dirty="0" err="1">
+                <a:latin typeface="Arial" panose="020B0604020202020204" pitchFamily="34" charset="0"/>
+                <a:cs typeface="Arial" panose="020B0604020202020204" pitchFamily="34" charset="0"/>
+              </a:rPr>
+              <a:t>nucleo</a:t>
+            </a:r>
+            <a:r>
+              <a:rPr lang="en-US" sz="1200" dirty="0">
+                <a:latin typeface="Arial" panose="020B0604020202020204" pitchFamily="34" charset="0"/>
+                <a:cs typeface="Arial" panose="020B0604020202020204" pitchFamily="34" charset="0"/>
+              </a:rPr>
+              <a:t> y </a:t>
+            </a:r>
+            <a:r>
+              <a:rPr lang="en-US" sz="1200" dirty="0" err="1">
+                <a:latin typeface="Arial" panose="020B0604020202020204" pitchFamily="34" charset="0"/>
+                <a:cs typeface="Arial" panose="020B0604020202020204" pitchFamily="34" charset="0"/>
+              </a:rPr>
+              <a:t>cubierta</a:t>
+            </a:r>
+            <a:r>
+              <a:rPr lang="en-US" sz="1200" dirty="0">
+                <a:latin typeface="Arial" panose="020B0604020202020204" pitchFamily="34" charset="0"/>
+                <a:cs typeface="Arial" panose="020B0604020202020204" pitchFamily="34" charset="0"/>
+              </a:rPr>
+              <a:t> </a:t>
+            </a:r>
+            <a:r>
+              <a:rPr lang="en-US" sz="1200" dirty="0" err="1">
+                <a:latin typeface="Arial" panose="020B0604020202020204" pitchFamily="34" charset="0"/>
+                <a:cs typeface="Arial" panose="020B0604020202020204" pitchFamily="34" charset="0"/>
+              </a:rPr>
+              <a:t>respectivamente</a:t>
+            </a:r>
+            <a:r>
+              <a:rPr lang="en-US" sz="1200" dirty="0">
+                <a:latin typeface="Arial" panose="020B0604020202020204" pitchFamily="34" charset="0"/>
+                <a:cs typeface="Arial" panose="020B0604020202020204" pitchFamily="34" charset="0"/>
+              </a:rPr>
+              <a:t> temenos </a:t>
+            </a:r>
+            <a:r>
+              <a:rPr lang="en-US" sz="1200" dirty="0" err="1">
+                <a:latin typeface="Arial" panose="020B0604020202020204" pitchFamily="34" charset="0"/>
+                <a:cs typeface="Arial" panose="020B0604020202020204" pitchFamily="34" charset="0"/>
+              </a:rPr>
+              <a:t>que</a:t>
+            </a:r>
+            <a:r>
+              <a:rPr lang="en-US" sz="1200" dirty="0">
+                <a:latin typeface="Arial" panose="020B0604020202020204" pitchFamily="34" charset="0"/>
+                <a:cs typeface="Arial" panose="020B0604020202020204" pitchFamily="34" charset="0"/>
+              </a:rPr>
+              <a:t> de </a:t>
+            </a:r>
+            <a:r>
+              <a:rPr lang="en-US" sz="1200" dirty="0" err="1">
+                <a:latin typeface="Arial" panose="020B0604020202020204" pitchFamily="34" charset="0"/>
+                <a:cs typeface="Arial" panose="020B0604020202020204" pitchFamily="34" charset="0"/>
+              </a:rPr>
+              <a:t>los</a:t>
+            </a:r>
+            <a:r>
+              <a:rPr lang="en-US" sz="1200" dirty="0">
+                <a:latin typeface="Arial" panose="020B0604020202020204" pitchFamily="34" charset="0"/>
+                <a:cs typeface="Arial" panose="020B0604020202020204" pitchFamily="34" charset="0"/>
+              </a:rPr>
+              <a:t> 4 </a:t>
+            </a:r>
+            <a:r>
+              <a:rPr lang="en-US" sz="1200" dirty="0" err="1">
+                <a:latin typeface="Arial" panose="020B0604020202020204" pitchFamily="34" charset="0"/>
+                <a:cs typeface="Arial" panose="020B0604020202020204" pitchFamily="34" charset="0"/>
+              </a:rPr>
+              <a:t>modos</a:t>
+            </a:r>
+            <a:r>
+              <a:rPr lang="en-US" sz="1200" dirty="0">
+                <a:latin typeface="Arial" panose="020B0604020202020204" pitchFamily="34" charset="0"/>
+                <a:cs typeface="Arial" panose="020B0604020202020204" pitchFamily="34" charset="0"/>
+              </a:rPr>
+              <a:t> </a:t>
+            </a:r>
+            <a:r>
+              <a:rPr lang="en-US" sz="1200" dirty="0" err="1">
+                <a:latin typeface="Arial" panose="020B0604020202020204" pitchFamily="34" charset="0"/>
+                <a:cs typeface="Arial" panose="020B0604020202020204" pitchFamily="34" charset="0"/>
+              </a:rPr>
+              <a:t>calculados</a:t>
+            </a:r>
+            <a:r>
+              <a:rPr lang="en-US" sz="1200" dirty="0">
+                <a:latin typeface="Arial" panose="020B0604020202020204" pitchFamily="34" charset="0"/>
+                <a:cs typeface="Arial" panose="020B0604020202020204" pitchFamily="34" charset="0"/>
+              </a:rPr>
+              <a:t> solo dos de </a:t>
+            </a:r>
+            <a:r>
+              <a:rPr lang="en-US" sz="1200" dirty="0" err="1">
+                <a:latin typeface="Arial" panose="020B0604020202020204" pitchFamily="34" charset="0"/>
+                <a:cs typeface="Arial" panose="020B0604020202020204" pitchFamily="34" charset="0"/>
+              </a:rPr>
+              <a:t>ellos</a:t>
+            </a:r>
+            <a:r>
+              <a:rPr lang="en-US" sz="1200" dirty="0">
+                <a:latin typeface="Arial" panose="020B0604020202020204" pitchFamily="34" charset="0"/>
+                <a:cs typeface="Arial" panose="020B0604020202020204" pitchFamily="34" charset="0"/>
+              </a:rPr>
+              <a:t> se </a:t>
+            </a:r>
+            <a:r>
+              <a:rPr lang="en-US" sz="1200" dirty="0" err="1">
+                <a:latin typeface="Arial" panose="020B0604020202020204" pitchFamily="34" charset="0"/>
+                <a:cs typeface="Arial" panose="020B0604020202020204" pitchFamily="34" charset="0"/>
+              </a:rPr>
+              <a:t>propagan</a:t>
+            </a:r>
+            <a:r>
+              <a:rPr lang="en-US" sz="1200" dirty="0">
+                <a:latin typeface="Arial" panose="020B0604020202020204" pitchFamily="34" charset="0"/>
+                <a:cs typeface="Arial" panose="020B0604020202020204" pitchFamily="34" charset="0"/>
+              </a:rPr>
+              <a:t> </a:t>
+            </a:r>
+            <a:r>
+              <a:rPr lang="en-US" sz="1200" dirty="0" err="1">
+                <a:latin typeface="Arial" panose="020B0604020202020204" pitchFamily="34" charset="0"/>
+                <a:cs typeface="Arial" panose="020B0604020202020204" pitchFamily="34" charset="0"/>
+              </a:rPr>
+              <a:t>ya</a:t>
+            </a:r>
+            <a:r>
+              <a:rPr lang="en-US" sz="1200" dirty="0">
+                <a:latin typeface="Arial" panose="020B0604020202020204" pitchFamily="34" charset="0"/>
+                <a:cs typeface="Arial" panose="020B0604020202020204" pitchFamily="34" charset="0"/>
+              </a:rPr>
+              <a:t> </a:t>
+            </a:r>
+            <a:r>
+              <a:rPr lang="en-US" sz="1200" dirty="0" err="1">
+                <a:latin typeface="Arial" panose="020B0604020202020204" pitchFamily="34" charset="0"/>
+                <a:cs typeface="Arial" panose="020B0604020202020204" pitchFamily="34" charset="0"/>
+              </a:rPr>
+              <a:t>que</a:t>
+            </a:r>
+            <a:r>
+              <a:rPr lang="en-US" sz="1200" dirty="0">
+                <a:latin typeface="Arial" panose="020B0604020202020204" pitchFamily="34" charset="0"/>
+                <a:cs typeface="Arial" panose="020B0604020202020204" pitchFamily="34" charset="0"/>
+              </a:rPr>
+              <a:t> </a:t>
+            </a:r>
+            <a:r>
+              <a:rPr lang="en-US" sz="1200" dirty="0" err="1">
+                <a:latin typeface="Arial" panose="020B0604020202020204" pitchFamily="34" charset="0"/>
+                <a:cs typeface="Arial" panose="020B0604020202020204" pitchFamily="34" charset="0"/>
+              </a:rPr>
+              <a:t>el</a:t>
+            </a:r>
+            <a:r>
+              <a:rPr lang="en-US" sz="1200" dirty="0">
+                <a:latin typeface="Arial" panose="020B0604020202020204" pitchFamily="34" charset="0"/>
+                <a:cs typeface="Arial" panose="020B0604020202020204" pitchFamily="34" charset="0"/>
+              </a:rPr>
+              <a:t> </a:t>
+            </a:r>
+            <a:r>
+              <a:rPr lang="en-US" sz="1200" dirty="0" err="1">
+                <a:latin typeface="Arial" panose="020B0604020202020204" pitchFamily="34" charset="0"/>
+                <a:cs typeface="Arial" panose="020B0604020202020204" pitchFamily="34" charset="0"/>
+              </a:rPr>
+              <a:t>indice</a:t>
+            </a:r>
+            <a:r>
+              <a:rPr lang="en-US" sz="1200" dirty="0">
+                <a:latin typeface="Arial" panose="020B0604020202020204" pitchFamily="34" charset="0"/>
+                <a:cs typeface="Arial" panose="020B0604020202020204" pitchFamily="34" charset="0"/>
+              </a:rPr>
+              <a:t> de </a:t>
+            </a:r>
+            <a:r>
+              <a:rPr lang="en-US" sz="1200" dirty="0" err="1">
+                <a:latin typeface="Arial" panose="020B0604020202020204" pitchFamily="34" charset="0"/>
+                <a:cs typeface="Arial" panose="020B0604020202020204" pitchFamily="34" charset="0"/>
+              </a:rPr>
+              <a:t>refraccion</a:t>
+            </a:r>
+            <a:r>
+              <a:rPr lang="en-US" sz="1200" dirty="0">
+                <a:latin typeface="Arial" panose="020B0604020202020204" pitchFamily="34" charset="0"/>
+                <a:cs typeface="Arial" panose="020B0604020202020204" pitchFamily="34" charset="0"/>
+              </a:rPr>
+              <a:t> </a:t>
+            </a:r>
+            <a:r>
+              <a:rPr lang="en-US" sz="1200" dirty="0" err="1">
+                <a:latin typeface="Arial" panose="020B0604020202020204" pitchFamily="34" charset="0"/>
+                <a:cs typeface="Arial" panose="020B0604020202020204" pitchFamily="34" charset="0"/>
+              </a:rPr>
+              <a:t>efectivo</a:t>
+            </a:r>
+            <a:r>
+              <a:rPr lang="en-US" sz="1200" dirty="0">
+                <a:latin typeface="Arial" panose="020B0604020202020204" pitchFamily="34" charset="0"/>
+                <a:cs typeface="Arial" panose="020B0604020202020204" pitchFamily="34" charset="0"/>
+              </a:rPr>
+              <a:t> </a:t>
+            </a:r>
+            <a:r>
+              <a:rPr lang="en-US" sz="1200" dirty="0" err="1">
+                <a:latin typeface="Arial" panose="020B0604020202020204" pitchFamily="34" charset="0"/>
+                <a:cs typeface="Arial" panose="020B0604020202020204" pitchFamily="34" charset="0"/>
+              </a:rPr>
+              <a:t>neff</a:t>
+            </a:r>
+            <a:r>
+              <a:rPr lang="en-US" sz="1200" dirty="0">
+                <a:latin typeface="Arial" panose="020B0604020202020204" pitchFamily="34" charset="0"/>
+                <a:cs typeface="Arial" panose="020B0604020202020204" pitchFamily="34" charset="0"/>
+              </a:rPr>
+              <a:t> </a:t>
+            </a:r>
+            <a:r>
+              <a:rPr lang="en-US" sz="1200" dirty="0" err="1">
+                <a:latin typeface="Arial" panose="020B0604020202020204" pitchFamily="34" charset="0"/>
+                <a:cs typeface="Arial" panose="020B0604020202020204" pitchFamily="34" charset="0"/>
+              </a:rPr>
+              <a:t>en</a:t>
+            </a:r>
+            <a:r>
+              <a:rPr lang="en-US" sz="1200" dirty="0">
+                <a:latin typeface="Arial" panose="020B0604020202020204" pitchFamily="34" charset="0"/>
+                <a:cs typeface="Arial" panose="020B0604020202020204" pitchFamily="34" charset="0"/>
+              </a:rPr>
+              <a:t> </a:t>
+            </a:r>
+            <a:r>
+              <a:rPr lang="en-US" sz="1200" dirty="0" err="1">
+                <a:latin typeface="Arial" panose="020B0604020202020204" pitchFamily="34" charset="0"/>
+                <a:cs typeface="Arial" panose="020B0604020202020204" pitchFamily="34" charset="0"/>
+              </a:rPr>
+              <a:t>los</a:t>
+            </a:r>
+            <a:r>
+              <a:rPr lang="en-US" sz="1200" dirty="0">
+                <a:latin typeface="Arial" panose="020B0604020202020204" pitchFamily="34" charset="0"/>
+                <a:cs typeface="Arial" panose="020B0604020202020204" pitchFamily="34" charset="0"/>
+              </a:rPr>
+              <a:t> </a:t>
+            </a:r>
+            <a:r>
+              <a:rPr lang="en-US" sz="1200" dirty="0" err="1">
+                <a:latin typeface="Arial" panose="020B0604020202020204" pitchFamily="34" charset="0"/>
+                <a:cs typeface="Arial" panose="020B0604020202020204" pitchFamily="34" charset="0"/>
+              </a:rPr>
+              <a:t>modos</a:t>
+            </a:r>
+            <a:r>
+              <a:rPr lang="en-US" sz="1200" dirty="0">
+                <a:latin typeface="Arial" panose="020B0604020202020204" pitchFamily="34" charset="0"/>
+                <a:cs typeface="Arial" panose="020B0604020202020204" pitchFamily="34" charset="0"/>
+              </a:rPr>
+              <a:t> 3 y 4 (TE1 y TM1) es </a:t>
+            </a:r>
+            <a:r>
+              <a:rPr lang="en-US" sz="1200" dirty="0" err="1">
+                <a:latin typeface="Arial" panose="020B0604020202020204" pitchFamily="34" charset="0"/>
+                <a:cs typeface="Arial" panose="020B0604020202020204" pitchFamily="34" charset="0"/>
+              </a:rPr>
+              <a:t>menor</a:t>
+            </a:r>
+            <a:r>
+              <a:rPr lang="en-US" sz="1200" dirty="0">
+                <a:latin typeface="Arial" panose="020B0604020202020204" pitchFamily="34" charset="0"/>
+                <a:cs typeface="Arial" panose="020B0604020202020204" pitchFamily="34" charset="0"/>
+              </a:rPr>
+              <a:t> al </a:t>
+            </a:r>
+            <a:r>
+              <a:rPr lang="en-US" sz="1200" dirty="0" err="1">
+                <a:latin typeface="Arial" panose="020B0604020202020204" pitchFamily="34" charset="0"/>
+                <a:cs typeface="Arial" panose="020B0604020202020204" pitchFamily="34" charset="0"/>
+              </a:rPr>
+              <a:t>indice</a:t>
+            </a:r>
+            <a:r>
+              <a:rPr lang="en-US" sz="1200" dirty="0">
+                <a:latin typeface="Arial" panose="020B0604020202020204" pitchFamily="34" charset="0"/>
+                <a:cs typeface="Arial" panose="020B0604020202020204" pitchFamily="34" charset="0"/>
+              </a:rPr>
+              <a:t> del material de la </a:t>
+            </a:r>
+            <a:r>
+              <a:rPr lang="en-US" sz="1200" dirty="0" err="1">
+                <a:latin typeface="Arial" panose="020B0604020202020204" pitchFamily="34" charset="0"/>
+                <a:cs typeface="Arial" panose="020B0604020202020204" pitchFamily="34" charset="0"/>
+              </a:rPr>
+              <a:t>cubierta</a:t>
+            </a:r>
+            <a:r>
+              <a:rPr lang="en-US" sz="1200" dirty="0">
+                <a:latin typeface="Arial" panose="020B0604020202020204" pitchFamily="34" charset="0"/>
+                <a:cs typeface="Arial" panose="020B0604020202020204" pitchFamily="34" charset="0"/>
+              </a:rPr>
+              <a:t> (sio2).</a:t>
+            </a:r>
+          </a:p>
+          <a:p>
+            <a:pPr marL="171450" indent="-171450" algn="just">
+              <a:buFont typeface="Arial" panose="020B0604020202020204" pitchFamily="34" charset="0"/>
+              <a:buChar char="•"/>
+            </a:pPr>
+            <a:r>
+              <a:rPr lang="en-US" sz="1200" dirty="0">
+                <a:latin typeface="Arial" panose="020B0604020202020204" pitchFamily="34" charset="0"/>
+                <a:cs typeface="Arial" panose="020B0604020202020204" pitchFamily="34" charset="0"/>
+              </a:rPr>
+              <a:t>En </a:t>
+            </a:r>
+            <a:r>
+              <a:rPr lang="en-US" sz="1200" dirty="0" err="1">
+                <a:latin typeface="Arial" panose="020B0604020202020204" pitchFamily="34" charset="0"/>
+                <a:cs typeface="Arial" panose="020B0604020202020204" pitchFamily="34" charset="0"/>
+              </a:rPr>
+              <a:t>los</a:t>
+            </a:r>
+            <a:r>
+              <a:rPr lang="en-US" sz="1200" dirty="0">
+                <a:latin typeface="Arial" panose="020B0604020202020204" pitchFamily="34" charset="0"/>
+                <a:cs typeface="Arial" panose="020B0604020202020204" pitchFamily="34" charset="0"/>
+              </a:rPr>
+              <a:t> plots se </a:t>
+            </a:r>
+            <a:r>
+              <a:rPr lang="en-US" sz="1200" dirty="0" err="1">
+                <a:latin typeface="Arial" panose="020B0604020202020204" pitchFamily="34" charset="0"/>
+                <a:cs typeface="Arial" panose="020B0604020202020204" pitchFamily="34" charset="0"/>
+              </a:rPr>
+              <a:t>puede</a:t>
+            </a:r>
+            <a:r>
+              <a:rPr lang="en-US" sz="1200" dirty="0">
+                <a:latin typeface="Arial" panose="020B0604020202020204" pitchFamily="34" charset="0"/>
+                <a:cs typeface="Arial" panose="020B0604020202020204" pitchFamily="34" charset="0"/>
+              </a:rPr>
+              <a:t> </a:t>
+            </a:r>
+            <a:r>
+              <a:rPr lang="en-US" sz="1200" dirty="0" err="1">
+                <a:latin typeface="Arial" panose="020B0604020202020204" pitchFamily="34" charset="0"/>
+                <a:cs typeface="Arial" panose="020B0604020202020204" pitchFamily="34" charset="0"/>
+              </a:rPr>
+              <a:t>observar</a:t>
+            </a:r>
+            <a:r>
+              <a:rPr lang="en-US" sz="1200" dirty="0">
+                <a:latin typeface="Arial" panose="020B0604020202020204" pitchFamily="34" charset="0"/>
+                <a:cs typeface="Arial" panose="020B0604020202020204" pitchFamily="34" charset="0"/>
+              </a:rPr>
+              <a:t> </a:t>
+            </a:r>
+            <a:r>
+              <a:rPr lang="en-US" sz="1200" dirty="0" err="1">
+                <a:latin typeface="Arial" panose="020B0604020202020204" pitchFamily="34" charset="0"/>
+                <a:cs typeface="Arial" panose="020B0604020202020204" pitchFamily="34" charset="0"/>
+              </a:rPr>
+              <a:t>que</a:t>
+            </a:r>
+            <a:r>
+              <a:rPr lang="en-US" sz="1200" dirty="0">
+                <a:latin typeface="Arial" panose="020B0604020202020204" pitchFamily="34" charset="0"/>
+                <a:cs typeface="Arial" panose="020B0604020202020204" pitchFamily="34" charset="0"/>
+              </a:rPr>
+              <a:t> </a:t>
+            </a:r>
+            <a:r>
+              <a:rPr lang="en-US" sz="1200" dirty="0" err="1">
+                <a:latin typeface="Arial" panose="020B0604020202020204" pitchFamily="34" charset="0"/>
+                <a:cs typeface="Arial" panose="020B0604020202020204" pitchFamily="34" charset="0"/>
+              </a:rPr>
+              <a:t>en</a:t>
+            </a:r>
+            <a:r>
+              <a:rPr lang="en-US" sz="1200" dirty="0">
+                <a:latin typeface="Arial" panose="020B0604020202020204" pitchFamily="34" charset="0"/>
+                <a:cs typeface="Arial" panose="020B0604020202020204" pitchFamily="34" charset="0"/>
+              </a:rPr>
+              <a:t>  </a:t>
+            </a:r>
+            <a:r>
+              <a:rPr lang="en-US" sz="1200" dirty="0" err="1">
+                <a:latin typeface="Arial" panose="020B0604020202020204" pitchFamily="34" charset="0"/>
+                <a:cs typeface="Arial" panose="020B0604020202020204" pitchFamily="34" charset="0"/>
+              </a:rPr>
+              <a:t>los</a:t>
+            </a:r>
+            <a:r>
+              <a:rPr lang="en-US" sz="1200" dirty="0">
+                <a:latin typeface="Arial" panose="020B0604020202020204" pitchFamily="34" charset="0"/>
+                <a:cs typeface="Arial" panose="020B0604020202020204" pitchFamily="34" charset="0"/>
+              </a:rPr>
+              <a:t> </a:t>
+            </a:r>
+            <a:r>
+              <a:rPr lang="en-US" sz="1200" dirty="0" err="1">
+                <a:latin typeface="Arial" panose="020B0604020202020204" pitchFamily="34" charset="0"/>
+                <a:cs typeface="Arial" panose="020B0604020202020204" pitchFamily="34" charset="0"/>
+              </a:rPr>
+              <a:t>modos</a:t>
+            </a:r>
+            <a:r>
+              <a:rPr lang="en-US" sz="1200" dirty="0">
+                <a:latin typeface="Arial" panose="020B0604020202020204" pitchFamily="34" charset="0"/>
+                <a:cs typeface="Arial" panose="020B0604020202020204" pitchFamily="34" charset="0"/>
+              </a:rPr>
+              <a:t> 1 y 2 </a:t>
+            </a:r>
+            <a:r>
+              <a:rPr lang="en-US" sz="1200" dirty="0" err="1">
+                <a:latin typeface="Arial" panose="020B0604020202020204" pitchFamily="34" charset="0"/>
+                <a:cs typeface="Arial" panose="020B0604020202020204" pitchFamily="34" charset="0"/>
+              </a:rPr>
+              <a:t>correspondientas</a:t>
+            </a:r>
+            <a:r>
+              <a:rPr lang="en-US" sz="1200" dirty="0">
+                <a:latin typeface="Arial" panose="020B0604020202020204" pitchFamily="34" charset="0"/>
+                <a:cs typeface="Arial" panose="020B0604020202020204" pitchFamily="34" charset="0"/>
+              </a:rPr>
+              <a:t> a TE0 y TM0 la </a:t>
+            </a:r>
+            <a:r>
+              <a:rPr lang="en-US" sz="1200" dirty="0" err="1">
+                <a:latin typeface="Arial" panose="020B0604020202020204" pitchFamily="34" charset="0"/>
+                <a:cs typeface="Arial" panose="020B0604020202020204" pitchFamily="34" charset="0"/>
+              </a:rPr>
+              <a:t>intensidad</a:t>
+            </a:r>
+            <a:r>
+              <a:rPr lang="en-US" sz="1200" dirty="0">
+                <a:latin typeface="Arial" panose="020B0604020202020204" pitchFamily="34" charset="0"/>
+                <a:cs typeface="Arial" panose="020B0604020202020204" pitchFamily="34" charset="0"/>
+              </a:rPr>
+              <a:t> de </a:t>
+            </a:r>
+            <a:r>
+              <a:rPr lang="en-US" sz="1200" dirty="0" err="1">
+                <a:latin typeface="Arial" panose="020B0604020202020204" pitchFamily="34" charset="0"/>
+                <a:cs typeface="Arial" panose="020B0604020202020204" pitchFamily="34" charset="0"/>
+              </a:rPr>
+              <a:t>los</a:t>
+            </a:r>
+            <a:r>
+              <a:rPr lang="en-US" sz="1200" dirty="0">
+                <a:latin typeface="Arial" panose="020B0604020202020204" pitchFamily="34" charset="0"/>
+                <a:cs typeface="Arial" panose="020B0604020202020204" pitchFamily="34" charset="0"/>
+              </a:rPr>
+              <a:t> campos </a:t>
+            </a:r>
+            <a:r>
+              <a:rPr lang="en-US" sz="1200" dirty="0" err="1">
+                <a:latin typeface="Arial" panose="020B0604020202020204" pitchFamily="34" charset="0"/>
+                <a:cs typeface="Arial" panose="020B0604020202020204" pitchFamily="34" charset="0"/>
+              </a:rPr>
+              <a:t>en</a:t>
+            </a:r>
+            <a:r>
+              <a:rPr lang="en-US" sz="1200" dirty="0">
+                <a:latin typeface="Arial" panose="020B0604020202020204" pitchFamily="34" charset="0"/>
+                <a:cs typeface="Arial" panose="020B0604020202020204" pitchFamily="34" charset="0"/>
+              </a:rPr>
+              <a:t> </a:t>
+            </a:r>
+            <a:r>
+              <a:rPr lang="en-US" sz="1200" dirty="0" err="1">
+                <a:latin typeface="Arial" panose="020B0604020202020204" pitchFamily="34" charset="0"/>
+                <a:cs typeface="Arial" panose="020B0604020202020204" pitchFamily="34" charset="0"/>
+              </a:rPr>
+              <a:t>dichos</a:t>
+            </a:r>
+            <a:r>
+              <a:rPr lang="en-US" sz="1200" dirty="0">
+                <a:latin typeface="Arial" panose="020B0604020202020204" pitchFamily="34" charset="0"/>
+                <a:cs typeface="Arial" panose="020B0604020202020204" pitchFamily="34" charset="0"/>
+              </a:rPr>
+              <a:t> </a:t>
+            </a:r>
+            <a:r>
+              <a:rPr lang="en-US" sz="1200" dirty="0" err="1">
+                <a:latin typeface="Arial" panose="020B0604020202020204" pitchFamily="34" charset="0"/>
+                <a:cs typeface="Arial" panose="020B0604020202020204" pitchFamily="34" charset="0"/>
+              </a:rPr>
+              <a:t>modos</a:t>
+            </a:r>
+            <a:r>
+              <a:rPr lang="en-US" sz="1200" dirty="0">
+                <a:latin typeface="Arial" panose="020B0604020202020204" pitchFamily="34" charset="0"/>
+                <a:cs typeface="Arial" panose="020B0604020202020204" pitchFamily="34" charset="0"/>
+              </a:rPr>
+              <a:t> se </a:t>
+            </a:r>
+            <a:r>
+              <a:rPr lang="en-US" sz="1200" dirty="0" err="1">
+                <a:latin typeface="Arial" panose="020B0604020202020204" pitchFamily="34" charset="0"/>
+                <a:cs typeface="Arial" panose="020B0604020202020204" pitchFamily="34" charset="0"/>
+              </a:rPr>
+              <a:t>concentra</a:t>
+            </a:r>
+            <a:r>
+              <a:rPr lang="en-US" sz="1200" dirty="0">
+                <a:latin typeface="Arial" panose="020B0604020202020204" pitchFamily="34" charset="0"/>
+                <a:cs typeface="Arial" panose="020B0604020202020204" pitchFamily="34" charset="0"/>
+              </a:rPr>
+              <a:t> </a:t>
+            </a:r>
+            <a:r>
+              <a:rPr lang="en-US" sz="1200" dirty="0" err="1">
+                <a:latin typeface="Arial" panose="020B0604020202020204" pitchFamily="34" charset="0"/>
+                <a:cs typeface="Arial" panose="020B0604020202020204" pitchFamily="34" charset="0"/>
+              </a:rPr>
+              <a:t>en</a:t>
+            </a:r>
+            <a:r>
+              <a:rPr lang="en-US" sz="1200" dirty="0">
+                <a:latin typeface="Arial" panose="020B0604020202020204" pitchFamily="34" charset="0"/>
+                <a:cs typeface="Arial" panose="020B0604020202020204" pitchFamily="34" charset="0"/>
+              </a:rPr>
+              <a:t> </a:t>
+            </a:r>
+            <a:r>
+              <a:rPr lang="en-US" sz="1200" dirty="0" err="1">
+                <a:latin typeface="Arial" panose="020B0604020202020204" pitchFamily="34" charset="0"/>
+                <a:cs typeface="Arial" panose="020B0604020202020204" pitchFamily="34" charset="0"/>
+              </a:rPr>
+              <a:t>el</a:t>
+            </a:r>
+            <a:r>
+              <a:rPr lang="en-US" sz="1200" dirty="0">
+                <a:latin typeface="Arial" panose="020B0604020202020204" pitchFamily="34" charset="0"/>
+                <a:cs typeface="Arial" panose="020B0604020202020204" pitchFamily="34" charset="0"/>
+              </a:rPr>
+              <a:t> </a:t>
+            </a:r>
+            <a:r>
+              <a:rPr lang="en-US" sz="1200" dirty="0" err="1">
+                <a:latin typeface="Arial" panose="020B0604020202020204" pitchFamily="34" charset="0"/>
+                <a:cs typeface="Arial" panose="020B0604020202020204" pitchFamily="34" charset="0"/>
+              </a:rPr>
+              <a:t>centro</a:t>
+            </a:r>
+            <a:r>
+              <a:rPr lang="en-US" sz="1200" dirty="0">
+                <a:latin typeface="Arial" panose="020B0604020202020204" pitchFamily="34" charset="0"/>
+                <a:cs typeface="Arial" panose="020B0604020202020204" pitchFamily="34" charset="0"/>
+              </a:rPr>
+              <a:t>.</a:t>
+            </a:r>
           </a:p>
           <a:p>
             <a:pPr algn="just"/>
@@ -5436,7 +5987,7 @@
         <p:spPr>
           <a:xfrm>
             <a:off x="609441" y="4860334"/>
-            <a:ext cx="11199971" cy="1200329"/>
+            <a:ext cx="11199971" cy="1384995"/>
           </a:xfrm>
           <a:prstGeom prst="rect">
             <a:avLst/>
@@ -5482,7 +6033,93 @@
             </a:r>
           </a:p>
           <a:p>
-            <a:pPr algn="just"/>
+            <a:pPr marL="171450" indent="-171450" algn="just">
+              <a:buFont typeface="Arial" panose="020B0604020202020204" pitchFamily="34" charset="0"/>
+              <a:buChar char="•"/>
+            </a:pPr>
+            <a:r>
+              <a:rPr lang="en-US" sz="1200" dirty="0">
+                <a:latin typeface="Arial" panose="020B0604020202020204" pitchFamily="34" charset="0"/>
+                <a:cs typeface="Arial" panose="020B0604020202020204" pitchFamily="34" charset="0"/>
+              </a:rPr>
+              <a:t>El </a:t>
+            </a:r>
+            <a:r>
+              <a:rPr lang="en-US" sz="1200" dirty="0" err="1">
+                <a:latin typeface="Arial" panose="020B0604020202020204" pitchFamily="34" charset="0"/>
+                <a:cs typeface="Arial" panose="020B0604020202020204" pitchFamily="34" charset="0"/>
+              </a:rPr>
+              <a:t>indice</a:t>
+            </a:r>
+            <a:r>
+              <a:rPr lang="en-US" sz="1200" dirty="0">
+                <a:latin typeface="Arial" panose="020B0604020202020204" pitchFamily="34" charset="0"/>
+                <a:cs typeface="Arial" panose="020B0604020202020204" pitchFamily="34" charset="0"/>
+              </a:rPr>
+              <a:t> </a:t>
+            </a:r>
+            <a:r>
+              <a:rPr lang="en-US" sz="1200" dirty="0" err="1">
+                <a:latin typeface="Arial" panose="020B0604020202020204" pitchFamily="34" charset="0"/>
+                <a:cs typeface="Arial" panose="020B0604020202020204" pitchFamily="34" charset="0"/>
+              </a:rPr>
+              <a:t>efectivo</a:t>
+            </a:r>
+            <a:r>
+              <a:rPr lang="en-US" sz="1200" dirty="0">
+                <a:latin typeface="Arial" panose="020B0604020202020204" pitchFamily="34" charset="0"/>
+                <a:cs typeface="Arial" panose="020B0604020202020204" pitchFamily="34" charset="0"/>
+              </a:rPr>
+              <a:t> </a:t>
+            </a:r>
+            <a:r>
+              <a:rPr lang="en-US" sz="1200" dirty="0" err="1">
+                <a:latin typeface="Arial" panose="020B0604020202020204" pitchFamily="34" charset="0"/>
+                <a:cs typeface="Arial" panose="020B0604020202020204" pitchFamily="34" charset="0"/>
+              </a:rPr>
+              <a:t>neff</a:t>
+            </a:r>
+            <a:r>
+              <a:rPr lang="en-US" sz="1200" dirty="0">
+                <a:latin typeface="Arial" panose="020B0604020202020204" pitchFamily="34" charset="0"/>
+                <a:cs typeface="Arial" panose="020B0604020202020204" pitchFamily="34" charset="0"/>
+              </a:rPr>
+              <a:t> </a:t>
+            </a:r>
+            <a:r>
+              <a:rPr lang="en-US" sz="1200" dirty="0" err="1">
+                <a:latin typeface="Arial" panose="020B0604020202020204" pitchFamily="34" charset="0"/>
+                <a:cs typeface="Arial" panose="020B0604020202020204" pitchFamily="34" charset="0"/>
+              </a:rPr>
+              <a:t>disminuye</a:t>
+            </a:r>
+            <a:r>
+              <a:rPr lang="en-US" sz="1200" dirty="0">
+                <a:latin typeface="Arial" panose="020B0604020202020204" pitchFamily="34" charset="0"/>
+                <a:cs typeface="Arial" panose="020B0604020202020204" pitchFamily="34" charset="0"/>
+              </a:rPr>
+              <a:t> con la longitude de </a:t>
+            </a:r>
+            <a:r>
+              <a:rPr lang="en-US" sz="1200" dirty="0" err="1">
+                <a:latin typeface="Arial" panose="020B0604020202020204" pitchFamily="34" charset="0"/>
+                <a:cs typeface="Arial" panose="020B0604020202020204" pitchFamily="34" charset="0"/>
+              </a:rPr>
+              <a:t>onda</a:t>
+            </a:r>
+            <a:r>
+              <a:rPr lang="en-US" sz="1200">
+                <a:latin typeface="Arial" panose="020B0604020202020204" pitchFamily="34" charset="0"/>
+                <a:cs typeface="Arial" panose="020B0604020202020204" pitchFamily="34" charset="0"/>
+              </a:rPr>
+              <a:t>.</a:t>
+            </a:r>
+          </a:p>
+          <a:p>
+            <a:pPr marL="171450" indent="-171450" algn="just">
+              <a:buFont typeface="Arial" panose="020B0604020202020204" pitchFamily="34" charset="0"/>
+              <a:buChar char="•"/>
+            </a:pPr>
             <a:endParaRPr lang="en-US" sz="1200" dirty="0">
               <a:latin typeface="Arial" panose="020B0604020202020204" pitchFamily="34" charset="0"/>
               <a:cs typeface="Arial" panose="020B0604020202020204" pitchFamily="34" charset="0"/>
@@ -5764,6 +6401,66 @@
           </a:p>
         </p:txBody>
       </p:sp>
+      <p:pic>
+        <p:nvPicPr>
+          <p:cNvPr id="10" name="Imagen 9" descr="Gráfico, Gráfico de líneas&#10;&#10;El contenido generado por IA puede ser incorrecto.">
+            <a:extLst>
+              <a:ext uri="{FF2B5EF4-FFF2-40B4-BE49-F238E27FC236}">
+                <a16:creationId xmlns:a16="http://schemas.microsoft.com/office/drawing/2014/main" id="{4DD46900-1980-8CD1-854E-CAD64FA1715F}"/>
+              </a:ext>
+            </a:extLst>
+          </p:cNvPr>
+          <p:cNvPicPr>
+            <a:picLocks noChangeAspect="1"/>
+          </p:cNvPicPr>
+          <p:nvPr/>
+        </p:nvPicPr>
+        <p:blipFill>
+          <a:blip r:embed="rId5"/>
+          <a:stretch>
+            <a:fillRect/>
+          </a:stretch>
+        </p:blipFill>
+        <p:spPr>
+          <a:xfrm>
+            <a:off x="6537030" y="1513053"/>
+            <a:ext cx="5143180" cy="3000188"/>
+          </a:xfrm>
+          <a:prstGeom prst="rect">
+            <a:avLst/>
+          </a:prstGeom>
+        </p:spPr>
+      </p:pic>
+      <p:pic>
+        <p:nvPicPr>
+          <p:cNvPr id="12" name="Imagen 11" descr="Gráfico, Gráfico de líneas&#10;&#10;El contenido generado por IA puede ser incorrecto.">
+            <a:extLst>
+              <a:ext uri="{FF2B5EF4-FFF2-40B4-BE49-F238E27FC236}">
+                <a16:creationId xmlns:a16="http://schemas.microsoft.com/office/drawing/2014/main" id="{8B3C3A16-0C41-9DB9-7293-2AAED7651BA2}"/>
+              </a:ext>
+            </a:extLst>
+          </p:cNvPr>
+          <p:cNvPicPr>
+            <a:picLocks noChangeAspect="1"/>
+          </p:cNvPicPr>
+          <p:nvPr/>
+        </p:nvPicPr>
+        <p:blipFill>
+          <a:blip r:embed="rId6"/>
+          <a:stretch>
+            <a:fillRect/>
+          </a:stretch>
+        </p:blipFill>
+        <p:spPr>
+          <a:xfrm>
+            <a:off x="685800" y="1536200"/>
+            <a:ext cx="5082411" cy="2964740"/>
+          </a:xfrm>
+          <a:prstGeom prst="rect">
+            <a:avLst/>
+          </a:prstGeom>
+        </p:spPr>
+      </p:pic>
     </p:spTree>
     <p:extLst>
       <p:ext uri="{BB962C8B-B14F-4D97-AF65-F5344CB8AC3E}">

--- a/LabBook_10.pptx
+++ b/LabBook_10.pptx
@@ -233,7 +233,7 @@
           <a:p>
             <a:fld id="{8438F8DC-35B0-48E6-A86E-42F1F08DD00F}" type="datetimeFigureOut">
               <a:rPr lang="es-ES" smtClean="0"/>
-              <a:t>19/02/2026</a:t>
+              <a:t>26/02/2026</a:t>
             </a:fld>
             <a:endParaRPr lang="es-ES"/>
           </a:p>
@@ -410,7 +410,7 @@
           <a:p>
             <a:fld id="{FACBDC12-F39B-4B97-8F4D-6734F9D366FF}" type="datetimeFigureOut">
               <a:rPr lang="es-ES" smtClean="0"/>
-              <a:t>19/02/2026</a:t>
+              <a:t>26/02/2026</a:t>
             </a:fld>
             <a:endParaRPr lang="es-ES"/>
           </a:p>
@@ -6108,7 +6108,7 @@
               <a:t>onda</a:t>
             </a:r>
             <a:r>
-              <a:rPr lang="en-US" sz="1200">
+              <a:rPr lang="en-US" sz="1200" dirty="0">
                 <a:latin typeface="Arial" panose="020B0604020202020204" pitchFamily="34" charset="0"/>
                 <a:cs typeface="Arial" panose="020B0604020202020204" pitchFamily="34" charset="0"/>
               </a:rPr>
@@ -6671,7 +6671,7 @@
         <p:spPr>
           <a:xfrm>
             <a:off x="609441" y="4860334"/>
-            <a:ext cx="11199971" cy="1200329"/>
+            <a:ext cx="11199971" cy="1569660"/>
           </a:xfrm>
           <a:prstGeom prst="rect">
             <a:avLst/>
@@ -6717,28 +6717,81 @@
             </a:r>
           </a:p>
           <a:p>
-            <a:pPr algn="just"/>
+            <a:pPr marL="171450" indent="-171450" algn="just">
+              <a:buFontTx/>
+              <a:buChar char="-"/>
+            </a:pPr>
+            <a:r>
+              <a:rPr lang="es-ES" sz="1200" noProof="0" dirty="0">
+                <a:latin typeface="Arial" panose="020B0604020202020204" pitchFamily="34" charset="0"/>
+                <a:cs typeface="Arial" panose="020B0604020202020204" pitchFamily="34" charset="0"/>
+              </a:rPr>
+              <a:t>A medida que se incrementa el ancho de la guía , aumenta consigo el índice efectivo </a:t>
+            </a:r>
+            <a:r>
+              <a:rPr lang="es-ES" sz="1200" noProof="0" dirty="0" err="1">
+                <a:latin typeface="Arial" panose="020B0604020202020204" pitchFamily="34" charset="0"/>
+                <a:cs typeface="Arial" panose="020B0604020202020204" pitchFamily="34" charset="0"/>
+              </a:rPr>
+              <a:t>neff</a:t>
+            </a:r>
+            <a:r>
+              <a:rPr lang="es-ES" sz="1200" noProof="0" dirty="0">
+                <a:latin typeface="Arial" panose="020B0604020202020204" pitchFamily="34" charset="0"/>
+                <a:cs typeface="Arial" panose="020B0604020202020204" pitchFamily="34" charset="0"/>
+              </a:rPr>
+              <a:t>, por lo que el índice efectivo y los modos que se propagan, </a:t>
+            </a:r>
+            <a:r>
+              <a:rPr lang="es-ES" sz="1200" noProof="0" dirty="0" err="1">
+                <a:latin typeface="Arial" panose="020B0604020202020204" pitchFamily="34" charset="0"/>
+                <a:cs typeface="Arial" panose="020B0604020202020204" pitchFamily="34" charset="0"/>
+              </a:rPr>
+              <a:t>estan</a:t>
+            </a:r>
+            <a:r>
+              <a:rPr lang="es-ES" sz="1200" noProof="0" dirty="0">
+                <a:latin typeface="Arial" panose="020B0604020202020204" pitchFamily="34" charset="0"/>
+                <a:cs typeface="Arial" panose="020B0604020202020204" pitchFamily="34" charset="0"/>
+              </a:rPr>
+              <a:t> directamente relacionados con el ancho de la guía.</a:t>
+            </a:r>
+          </a:p>
+          <a:p>
+            <a:pPr marL="171450" indent="-171450" algn="just">
+              <a:buFontTx/>
+              <a:buChar char="-"/>
+            </a:pPr>
+            <a:endParaRPr lang="es-ES" sz="1200" noProof="0" dirty="0">
+              <a:latin typeface="Arial" panose="020B0604020202020204" pitchFamily="34" charset="0"/>
+              <a:cs typeface="Arial" panose="020B0604020202020204" pitchFamily="34" charset="0"/>
+            </a:endParaRPr>
+          </a:p>
+          <a:p>
+            <a:pPr marL="171450" indent="-171450" algn="just">
+              <a:buFontTx/>
+              <a:buChar char="-"/>
+            </a:pPr>
             <a:endParaRPr lang="en-US" sz="1200" dirty="0">
               <a:latin typeface="Arial" panose="020B0604020202020204" pitchFamily="34" charset="0"/>
               <a:cs typeface="Arial" panose="020B0604020202020204" pitchFamily="34" charset="0"/>
             </a:endParaRPr>
           </a:p>
           <a:p>
-            <a:pPr algn="just"/>
+            <a:pPr marL="171450" indent="-171450" algn="just">
+              <a:buFontTx/>
+              <a:buChar char="-"/>
+            </a:pPr>
             <a:endParaRPr lang="en-US" sz="1200" dirty="0">
               <a:latin typeface="Arial" panose="020B0604020202020204" pitchFamily="34" charset="0"/>
               <a:cs typeface="Arial" panose="020B0604020202020204" pitchFamily="34" charset="0"/>
             </a:endParaRPr>
           </a:p>
           <a:p>
-            <a:pPr algn="just"/>
-            <a:endParaRPr lang="en-US" sz="1200" dirty="0">
-              <a:latin typeface="Arial" panose="020B0604020202020204" pitchFamily="34" charset="0"/>
-              <a:cs typeface="Arial" panose="020B0604020202020204" pitchFamily="34" charset="0"/>
-            </a:endParaRPr>
-          </a:p>
-          <a:p>
-            <a:pPr algn="just"/>
+            <a:pPr marL="171450" indent="-171450" algn="just">
+              <a:buFontTx/>
+              <a:buChar char="-"/>
+            </a:pPr>
             <a:endParaRPr lang="en-US" sz="1200" dirty="0">
               <a:latin typeface="Arial" panose="020B0604020202020204" pitchFamily="34" charset="0"/>
               <a:cs typeface="Arial" panose="020B0604020202020204" pitchFamily="34" charset="0"/>
@@ -6856,6 +6909,36 @@
           </a:p>
         </p:txBody>
       </p:sp>
+      <p:pic>
+        <p:nvPicPr>
+          <p:cNvPr id="5" name="Imagen 4" descr="Gráfico, Gráfico de líneas&#10;&#10;El contenido generado por IA puede ser incorrecto.">
+            <a:extLst>
+              <a:ext uri="{FF2B5EF4-FFF2-40B4-BE49-F238E27FC236}">
+                <a16:creationId xmlns:a16="http://schemas.microsoft.com/office/drawing/2014/main" id="{43B2A1FB-9189-C3C2-4CB4-DE022DEC6F67}"/>
+              </a:ext>
+            </a:extLst>
+          </p:cNvPr>
+          <p:cNvPicPr>
+            <a:picLocks noChangeAspect="1"/>
+          </p:cNvPicPr>
+          <p:nvPr/>
+        </p:nvPicPr>
+        <p:blipFill>
+          <a:blip r:embed="rId5"/>
+          <a:stretch>
+            <a:fillRect/>
+          </a:stretch>
+        </p:blipFill>
+        <p:spPr>
+          <a:xfrm>
+            <a:off x="3276600" y="1510598"/>
+            <a:ext cx="5410200" cy="3149509"/>
+          </a:xfrm>
+          <a:prstGeom prst="rect">
+            <a:avLst/>
+          </a:prstGeom>
+        </p:spPr>
+      </p:pic>
     </p:spTree>
     <p:extLst>
       <p:ext uri="{BB962C8B-B14F-4D97-AF65-F5344CB8AC3E}">
@@ -8034,6 +8117,66 @@
           </a:p>
         </p:txBody>
       </p:sp>
+      <p:pic>
+        <p:nvPicPr>
+          <p:cNvPr id="7" name="Imagen 6" descr="Gráfico, Gráfico de líneas&#10;&#10;El contenido generado por IA puede ser incorrecto.">
+            <a:extLst>
+              <a:ext uri="{FF2B5EF4-FFF2-40B4-BE49-F238E27FC236}">
+                <a16:creationId xmlns:a16="http://schemas.microsoft.com/office/drawing/2014/main" id="{79AB78F6-69A3-2828-4EA8-8747D257B466}"/>
+              </a:ext>
+            </a:extLst>
+          </p:cNvPr>
+          <p:cNvPicPr>
+            <a:picLocks noChangeAspect="1"/>
+          </p:cNvPicPr>
+          <p:nvPr/>
+        </p:nvPicPr>
+        <p:blipFill>
+          <a:blip r:embed="rId9"/>
+          <a:stretch>
+            <a:fillRect/>
+          </a:stretch>
+        </p:blipFill>
+        <p:spPr>
+          <a:xfrm>
+            <a:off x="675640" y="1645068"/>
+            <a:ext cx="5338565" cy="2997223"/>
+          </a:xfrm>
+          <a:prstGeom prst="rect">
+            <a:avLst/>
+          </a:prstGeom>
+        </p:spPr>
+      </p:pic>
+      <p:pic>
+        <p:nvPicPr>
+          <p:cNvPr id="12" name="Imagen 11" descr="Gráfico, Gráfico de líneas&#10;&#10;El contenido generado por IA puede ser incorrecto.">
+            <a:extLst>
+              <a:ext uri="{FF2B5EF4-FFF2-40B4-BE49-F238E27FC236}">
+                <a16:creationId xmlns:a16="http://schemas.microsoft.com/office/drawing/2014/main" id="{AA9747B5-5460-ED3D-4EF2-C61D6D070C6F}"/>
+              </a:ext>
+            </a:extLst>
+          </p:cNvPr>
+          <p:cNvPicPr>
+            <a:picLocks noChangeAspect="1"/>
+          </p:cNvPicPr>
+          <p:nvPr/>
+        </p:nvPicPr>
+        <p:blipFill>
+          <a:blip r:embed="rId10"/>
+          <a:stretch>
+            <a:fillRect/>
+          </a:stretch>
+        </p:blipFill>
+        <p:spPr>
+          <a:xfrm>
+            <a:off x="6414172" y="1688639"/>
+            <a:ext cx="5260958" cy="2953652"/>
+          </a:xfrm>
+          <a:prstGeom prst="rect">
+            <a:avLst/>
+          </a:prstGeom>
+        </p:spPr>
+      </p:pic>
     </p:spTree>
     <p:extLst>
       <p:ext uri="{BB962C8B-B14F-4D97-AF65-F5344CB8AC3E}">
